--- a/CSC8360 - Course Objectives.pptx
+++ b/CSC8360 - Course Objectives.pptx
@@ -263,7 +263,7 @@
           <a:p>
             <a:fld id="{E4E07C8C-229A-4822-9E80-83EA7465900A}" type="datetimeFigureOut">
               <a:rPr lang="en-AU" smtClean="0"/>
-              <a:t>28/03/2022</a:t>
+              <a:t>14/05/2022</a:t>
             </a:fld>
             <a:endParaRPr lang="en-AU"/>
           </a:p>
@@ -463,7 +463,7 @@
           <a:p>
             <a:fld id="{E4E07C8C-229A-4822-9E80-83EA7465900A}" type="datetimeFigureOut">
               <a:rPr lang="en-AU" smtClean="0"/>
-              <a:t>28/03/2022</a:t>
+              <a:t>14/05/2022</a:t>
             </a:fld>
             <a:endParaRPr lang="en-AU"/>
           </a:p>
@@ -673,7 +673,7 @@
           <a:p>
             <a:fld id="{E4E07C8C-229A-4822-9E80-83EA7465900A}" type="datetimeFigureOut">
               <a:rPr lang="en-AU" smtClean="0"/>
-              <a:t>28/03/2022</a:t>
+              <a:t>14/05/2022</a:t>
             </a:fld>
             <a:endParaRPr lang="en-AU"/>
           </a:p>
@@ -873,7 +873,7 @@
           <a:p>
             <a:fld id="{E4E07C8C-229A-4822-9E80-83EA7465900A}" type="datetimeFigureOut">
               <a:rPr lang="en-AU" smtClean="0"/>
-              <a:t>28/03/2022</a:t>
+              <a:t>14/05/2022</a:t>
             </a:fld>
             <a:endParaRPr lang="en-AU"/>
           </a:p>
@@ -1149,7 +1149,7 @@
           <a:p>
             <a:fld id="{E4E07C8C-229A-4822-9E80-83EA7465900A}" type="datetimeFigureOut">
               <a:rPr lang="en-AU" smtClean="0"/>
-              <a:t>28/03/2022</a:t>
+              <a:t>14/05/2022</a:t>
             </a:fld>
             <a:endParaRPr lang="en-AU"/>
           </a:p>
@@ -1417,7 +1417,7 @@
           <a:p>
             <a:fld id="{E4E07C8C-229A-4822-9E80-83EA7465900A}" type="datetimeFigureOut">
               <a:rPr lang="en-AU" smtClean="0"/>
-              <a:t>28/03/2022</a:t>
+              <a:t>14/05/2022</a:t>
             </a:fld>
             <a:endParaRPr lang="en-AU"/>
           </a:p>
@@ -1832,7 +1832,7 @@
           <a:p>
             <a:fld id="{E4E07C8C-229A-4822-9E80-83EA7465900A}" type="datetimeFigureOut">
               <a:rPr lang="en-AU" smtClean="0"/>
-              <a:t>28/03/2022</a:t>
+              <a:t>14/05/2022</a:t>
             </a:fld>
             <a:endParaRPr lang="en-AU"/>
           </a:p>
@@ -1974,7 +1974,7 @@
           <a:p>
             <a:fld id="{E4E07C8C-229A-4822-9E80-83EA7465900A}" type="datetimeFigureOut">
               <a:rPr lang="en-AU" smtClean="0"/>
-              <a:t>28/03/2022</a:t>
+              <a:t>14/05/2022</a:t>
             </a:fld>
             <a:endParaRPr lang="en-AU"/>
           </a:p>
@@ -2087,7 +2087,7 @@
           <a:p>
             <a:fld id="{E4E07C8C-229A-4822-9E80-83EA7465900A}" type="datetimeFigureOut">
               <a:rPr lang="en-AU" smtClean="0"/>
-              <a:t>28/03/2022</a:t>
+              <a:t>14/05/2022</a:t>
             </a:fld>
             <a:endParaRPr lang="en-AU"/>
           </a:p>
@@ -2400,7 +2400,7 @@
           <a:p>
             <a:fld id="{E4E07C8C-229A-4822-9E80-83EA7465900A}" type="datetimeFigureOut">
               <a:rPr lang="en-AU" smtClean="0"/>
-              <a:t>28/03/2022</a:t>
+              <a:t>14/05/2022</a:t>
             </a:fld>
             <a:endParaRPr lang="en-AU"/>
           </a:p>
@@ -2689,7 +2689,7 @@
           <a:p>
             <a:fld id="{E4E07C8C-229A-4822-9E80-83EA7465900A}" type="datetimeFigureOut">
               <a:rPr lang="en-AU" smtClean="0"/>
-              <a:t>28/03/2022</a:t>
+              <a:t>14/05/2022</a:t>
             </a:fld>
             <a:endParaRPr lang="en-AU"/>
           </a:p>
@@ -2932,7 +2932,7 @@
           <a:p>
             <a:fld id="{E4E07C8C-229A-4822-9E80-83EA7465900A}" type="datetimeFigureOut">
               <a:rPr lang="en-AU" smtClean="0"/>
-              <a:t>28/03/2022</a:t>
+              <a:t>14/05/2022</a:t>
             </a:fld>
             <a:endParaRPr lang="en-AU"/>
           </a:p>
@@ -3775,7 +3775,7 @@
           <p:nvPr>
             <p:extLst>
               <p:ext uri="{D42A27DB-BD31-4B8C-83A1-F6EECF244321}">
-                <p14:modId xmlns:p14="http://schemas.microsoft.com/office/powerpoint/2010/main" val="834057532"/>
+                <p14:modId xmlns:p14="http://schemas.microsoft.com/office/powerpoint/2010/main" val="4019192863"/>
               </p:ext>
             </p:extLst>
           </p:nvPr>
@@ -4000,13 +4000,13 @@
                         </a:lnSpc>
                       </a:pPr>
                       <a:r>
-                        <a:rPr lang="en-AU" sz="1800" dirty="0" err="1">
+                        <a:rPr lang="en-AU" sz="1800">
                           <a:effectLst/>
                           <a:latin typeface="+mn-lt"/>
                           <a:ea typeface="Times New Roman" panose="02020603050405020304" pitchFamily="18" charset="0"/>
                           <a:cs typeface="Times New Roman" panose="02020603050405020304" pitchFamily="18" charset="0"/>
                         </a:rPr>
-                        <a:t>WiFi</a:t>
+                        <a:t>Wi-Fi </a:t>
                       </a:r>
                       <a:r>
                         <a:rPr lang="en-AU" sz="1800" dirty="0">
@@ -4015,7 +4015,7 @@
                           <a:ea typeface="Times New Roman" panose="02020603050405020304" pitchFamily="18" charset="0"/>
                           <a:cs typeface="Times New Roman" panose="02020603050405020304" pitchFamily="18" charset="0"/>
                         </a:rPr>
-                        <a:t> and 802.11 Regulations, Standards, Organizations and ethical practice </a:t>
+                        <a:t>and 802.11 Regulations, Standards, Organizations</a:t>
                       </a:r>
                       <a:endParaRPr lang="en-AU" sz="1800" dirty="0">
                         <a:effectLst/>
@@ -4109,7 +4109,7 @@
                           <a:ea typeface="Times New Roman" panose="02020603050405020304" pitchFamily="18" charset="0"/>
                           <a:cs typeface="Times New Roman" panose="02020603050405020304" pitchFamily="18" charset="0"/>
                         </a:rPr>
-                        <a:t>Spectrum use and management and signal transmission </a:t>
+                        <a:t>RF Principles, spectrum use and management and signal transmission </a:t>
                       </a:r>
                       <a:endParaRPr lang="en-AU" sz="1800" dirty="0">
                         <a:effectLst/>
@@ -4861,7 +4861,7 @@
                           <a:ea typeface="Times New Roman" panose="02020603050405020304" pitchFamily="18" charset="0"/>
                           <a:cs typeface="Times New Roman" panose="02020603050405020304" pitchFamily="18" charset="0"/>
                         </a:rPr>
-                        <a:t>Emerging trends and ACS Code of Ethics in wireless networking</a:t>
+                        <a:t>Emerging trends and ACS Code of Ethics in Wireless Networking</a:t>
                       </a:r>
                       <a:endParaRPr lang="en-AU" sz="1800" dirty="0">
                         <a:effectLst/>

--- a/CSC8360 - Course Objectives.pptx
+++ b/CSC8360 - Course Objectives.pptx
@@ -7,7 +7,6 @@
   <p:sldIdLst>
     <p:sldId id="256" r:id="rId2"/>
     <p:sldId id="257" r:id="rId3"/>
-    <p:sldId id="258" r:id="rId4"/>
   </p:sldIdLst>
   <p:sldSz cx="12192000" cy="6858000"/>
   <p:notesSz cx="6858000" cy="9144000"/>
@@ -263,7 +262,7 @@
           <a:p>
             <a:fld id="{E4E07C8C-229A-4822-9E80-83EA7465900A}" type="datetimeFigureOut">
               <a:rPr lang="en-AU" smtClean="0"/>
-              <a:t>14/05/2022</a:t>
+              <a:t>15/05/2022</a:t>
             </a:fld>
             <a:endParaRPr lang="en-AU"/>
           </a:p>
@@ -463,7 +462,7 @@
           <a:p>
             <a:fld id="{E4E07C8C-229A-4822-9E80-83EA7465900A}" type="datetimeFigureOut">
               <a:rPr lang="en-AU" smtClean="0"/>
-              <a:t>14/05/2022</a:t>
+              <a:t>15/05/2022</a:t>
             </a:fld>
             <a:endParaRPr lang="en-AU"/>
           </a:p>
@@ -673,7 +672,7 @@
           <a:p>
             <a:fld id="{E4E07C8C-229A-4822-9E80-83EA7465900A}" type="datetimeFigureOut">
               <a:rPr lang="en-AU" smtClean="0"/>
-              <a:t>14/05/2022</a:t>
+              <a:t>15/05/2022</a:t>
             </a:fld>
             <a:endParaRPr lang="en-AU"/>
           </a:p>
@@ -873,7 +872,7 @@
           <a:p>
             <a:fld id="{E4E07C8C-229A-4822-9E80-83EA7465900A}" type="datetimeFigureOut">
               <a:rPr lang="en-AU" smtClean="0"/>
-              <a:t>14/05/2022</a:t>
+              <a:t>15/05/2022</a:t>
             </a:fld>
             <a:endParaRPr lang="en-AU"/>
           </a:p>
@@ -1149,7 +1148,7 @@
           <a:p>
             <a:fld id="{E4E07C8C-229A-4822-9E80-83EA7465900A}" type="datetimeFigureOut">
               <a:rPr lang="en-AU" smtClean="0"/>
-              <a:t>14/05/2022</a:t>
+              <a:t>15/05/2022</a:t>
             </a:fld>
             <a:endParaRPr lang="en-AU"/>
           </a:p>
@@ -1417,7 +1416,7 @@
           <a:p>
             <a:fld id="{E4E07C8C-229A-4822-9E80-83EA7465900A}" type="datetimeFigureOut">
               <a:rPr lang="en-AU" smtClean="0"/>
-              <a:t>14/05/2022</a:t>
+              <a:t>15/05/2022</a:t>
             </a:fld>
             <a:endParaRPr lang="en-AU"/>
           </a:p>
@@ -1832,7 +1831,7 @@
           <a:p>
             <a:fld id="{E4E07C8C-229A-4822-9E80-83EA7465900A}" type="datetimeFigureOut">
               <a:rPr lang="en-AU" smtClean="0"/>
-              <a:t>14/05/2022</a:t>
+              <a:t>15/05/2022</a:t>
             </a:fld>
             <a:endParaRPr lang="en-AU"/>
           </a:p>
@@ -1974,7 +1973,7 @@
           <a:p>
             <a:fld id="{E4E07C8C-229A-4822-9E80-83EA7465900A}" type="datetimeFigureOut">
               <a:rPr lang="en-AU" smtClean="0"/>
-              <a:t>14/05/2022</a:t>
+              <a:t>15/05/2022</a:t>
             </a:fld>
             <a:endParaRPr lang="en-AU"/>
           </a:p>
@@ -2087,7 +2086,7 @@
           <a:p>
             <a:fld id="{E4E07C8C-229A-4822-9E80-83EA7465900A}" type="datetimeFigureOut">
               <a:rPr lang="en-AU" smtClean="0"/>
-              <a:t>14/05/2022</a:t>
+              <a:t>15/05/2022</a:t>
             </a:fld>
             <a:endParaRPr lang="en-AU"/>
           </a:p>
@@ -2400,7 +2399,7 @@
           <a:p>
             <a:fld id="{E4E07C8C-229A-4822-9E80-83EA7465900A}" type="datetimeFigureOut">
               <a:rPr lang="en-AU" smtClean="0"/>
-              <a:t>14/05/2022</a:t>
+              <a:t>15/05/2022</a:t>
             </a:fld>
             <a:endParaRPr lang="en-AU"/>
           </a:p>
@@ -2689,7 +2688,7 @@
           <a:p>
             <a:fld id="{E4E07C8C-229A-4822-9E80-83EA7465900A}" type="datetimeFigureOut">
               <a:rPr lang="en-AU" smtClean="0"/>
-              <a:t>14/05/2022</a:t>
+              <a:t>15/05/2022</a:t>
             </a:fld>
             <a:endParaRPr lang="en-AU"/>
           </a:p>
@@ -2932,7 +2931,7 @@
           <a:p>
             <a:fld id="{E4E07C8C-229A-4822-9E80-83EA7465900A}" type="datetimeFigureOut">
               <a:rPr lang="en-AU" smtClean="0"/>
-              <a:t>14/05/2022</a:t>
+              <a:t>15/05/2022</a:t>
             </a:fld>
             <a:endParaRPr lang="en-AU"/>
           </a:p>
@@ -3615,7 +3614,7 @@
                 <a:ea typeface="Times New Roman" panose="02020603050405020304" pitchFamily="18" charset="0"/>
                 <a:cs typeface="Times New Roman" panose="02020603050405020304" pitchFamily="18" charset="0"/>
               </a:rPr>
-              <a:t>Undertake complex wireless network troubleshooting;</a:t>
+              <a:t>Undertake basic wireless network troubleshooting;</a:t>
             </a:r>
           </a:p>
           <a:p>
@@ -5071,71 +5070,6 @@
 </p:sld>
 </file>
 
-<file path=ppt/slides/slide3.xml><?xml version="1.0" encoding="utf-8"?>
-<p:sld xmlns:a="http://schemas.openxmlformats.org/drawingml/2006/main" xmlns:r="http://schemas.openxmlformats.org/officeDocument/2006/relationships" xmlns:p="http://schemas.openxmlformats.org/presentationml/2006/main">
-  <p:cSld>
-    <p:spTree>
-      <p:nvGrpSpPr>
-        <p:cNvPr id="1" name=""/>
-        <p:cNvGrpSpPr/>
-        <p:nvPr/>
-      </p:nvGrpSpPr>
-      <p:grpSpPr>
-        <a:xfrm>
-          <a:off x="0" y="0"/>
-          <a:ext cx="0" cy="0"/>
-          <a:chOff x="0" y="0"/>
-          <a:chExt cx="0" cy="0"/>
-        </a:xfrm>
-      </p:grpSpPr>
-      <p:sp>
-        <p:nvSpPr>
-          <p:cNvPr id="4" name="TextBox 3">
-            <a:extLst>
-              <a:ext uri="{FF2B5EF4-FFF2-40B4-BE49-F238E27FC236}">
-                <a16:creationId xmlns:a16="http://schemas.microsoft.com/office/drawing/2014/main" id="{E878CF74-A4D4-4A7E-85C6-047A6799FF49}"/>
-              </a:ext>
-            </a:extLst>
-          </p:cNvPr>
-          <p:cNvSpPr txBox="1"/>
-          <p:nvPr/>
-        </p:nvSpPr>
-        <p:spPr>
-          <a:xfrm>
-            <a:off x="319596" y="292963"/>
-            <a:ext cx="6249880" cy="369332"/>
-          </a:xfrm>
-          <a:prstGeom prst="rect">
-            <a:avLst/>
-          </a:prstGeom>
-          <a:noFill/>
-        </p:spPr>
-        <p:txBody>
-          <a:bodyPr wrap="square" rtlCol="0">
-            <a:spAutoFit/>
-          </a:bodyPr>
-          <a:lstStyle/>
-          <a:p>
-            <a:r>
-              <a:rPr lang="en-AU" dirty="0"/>
-              <a:t>CSC8360 – Wireless Networking</a:t>
-            </a:r>
-          </a:p>
-        </p:txBody>
-      </p:sp>
-    </p:spTree>
-    <p:extLst>
-      <p:ext uri="{BB962C8B-B14F-4D97-AF65-F5344CB8AC3E}">
-        <p14:creationId xmlns:p14="http://schemas.microsoft.com/office/powerpoint/2010/main" val="2555536497"/>
-      </p:ext>
-    </p:extLst>
-  </p:cSld>
-  <p:clrMapOvr>
-    <a:masterClrMapping/>
-  </p:clrMapOvr>
-</p:sld>
-</file>
-
 <file path=ppt/theme/theme1.xml><?xml version="1.0" encoding="utf-8"?>
 <a:theme xmlns:a="http://schemas.openxmlformats.org/drawingml/2006/main" name="Office Theme">
   <a:themeElements>
